--- a/Rubies MFB Transaction Insights & Strategic Recommendations.pptx
+++ b/Rubies MFB Transaction Insights & Strategic Recommendations.pptx
@@ -115,6 +115,11 @@
       </a:defRPr>
     </a:lvl9pPr>
   </p:defaultTextStyle>
+  <p:extLst>
+    <p:ext uri="{EFAFB233-063F-42B5-8137-9DF3F51BA10A}">
+      <p15:sldGuideLst xmlns:p15="http://schemas.microsoft.com/office/powerpoint/2012/main"/>
+    </p:ext>
+  </p:extLst>
 </p:presentation>
 </file>
 
@@ -265,7 +270,7 @@
           <a:p>
             <a:fld id="{B4B45118-7A4E-49BA-9EAD-210F59C23FC3}" type="datetimeFigureOut">
               <a:rPr lang="en-US" smtClean="0"/>
-              <a:t>4/3/2025</a:t>
+              <a:t>4/6/2025</a:t>
             </a:fld>
             <a:endParaRPr lang="en-US"/>
           </a:p>
@@ -463,7 +468,7 @@
           <a:p>
             <a:fld id="{B4B45118-7A4E-49BA-9EAD-210F59C23FC3}" type="datetimeFigureOut">
               <a:rPr lang="en-US" smtClean="0"/>
-              <a:t>4/3/2025</a:t>
+              <a:t>4/6/2025</a:t>
             </a:fld>
             <a:endParaRPr lang="en-US"/>
           </a:p>
@@ -671,7 +676,7 @@
           <a:p>
             <a:fld id="{B4B45118-7A4E-49BA-9EAD-210F59C23FC3}" type="datetimeFigureOut">
               <a:rPr lang="en-US" smtClean="0"/>
-              <a:t>4/3/2025</a:t>
+              <a:t>4/6/2025</a:t>
             </a:fld>
             <a:endParaRPr lang="en-US"/>
           </a:p>
@@ -931,7 +936,7 @@
           <a:p>
             <a:fld id="{B4B45118-7A4E-49BA-9EAD-210F59C23FC3}" type="datetimeFigureOut">
               <a:rPr lang="en-US" smtClean="0"/>
-              <a:t>4/3/2025</a:t>
+              <a:t>4/6/2025</a:t>
             </a:fld>
             <a:endParaRPr lang="en-US"/>
           </a:p>
@@ -1241,7 +1246,7 @@
           <a:p>
             <a:fld id="{B4B45118-7A4E-49BA-9EAD-210F59C23FC3}" type="datetimeFigureOut">
               <a:rPr lang="en-US" smtClean="0"/>
-              <a:t>4/3/2025</a:t>
+              <a:t>4/6/2025</a:t>
             </a:fld>
             <a:endParaRPr lang="en-US"/>
           </a:p>
@@ -1506,7 +1511,7 @@
           <a:p>
             <a:fld id="{B4B45118-7A4E-49BA-9EAD-210F59C23FC3}" type="datetimeFigureOut">
               <a:rPr lang="en-US" smtClean="0"/>
-              <a:t>4/3/2025</a:t>
+              <a:t>4/6/2025</a:t>
             </a:fld>
             <a:endParaRPr lang="en-US"/>
           </a:p>
@@ -1918,7 +1923,7 @@
           <a:p>
             <a:fld id="{B4B45118-7A4E-49BA-9EAD-210F59C23FC3}" type="datetimeFigureOut">
               <a:rPr lang="en-US" smtClean="0"/>
-              <a:t>4/3/2025</a:t>
+              <a:t>4/6/2025</a:t>
             </a:fld>
             <a:endParaRPr lang="en-US"/>
           </a:p>
@@ -2059,7 +2064,7 @@
           <a:p>
             <a:fld id="{B4B45118-7A4E-49BA-9EAD-210F59C23FC3}" type="datetimeFigureOut">
               <a:rPr lang="en-US" smtClean="0"/>
-              <a:t>4/3/2025</a:t>
+              <a:t>4/6/2025</a:t>
             </a:fld>
             <a:endParaRPr lang="en-US"/>
           </a:p>
@@ -2172,7 +2177,7 @@
           <a:p>
             <a:fld id="{B4B45118-7A4E-49BA-9EAD-210F59C23FC3}" type="datetimeFigureOut">
               <a:rPr lang="en-US" smtClean="0"/>
-              <a:t>4/3/2025</a:t>
+              <a:t>4/6/2025</a:t>
             </a:fld>
             <a:endParaRPr lang="en-US"/>
           </a:p>
@@ -2483,7 +2488,7 @@
           <a:p>
             <a:fld id="{B4B45118-7A4E-49BA-9EAD-210F59C23FC3}" type="datetimeFigureOut">
               <a:rPr lang="en-US" smtClean="0"/>
-              <a:t>4/3/2025</a:t>
+              <a:t>4/6/2025</a:t>
             </a:fld>
             <a:endParaRPr lang="en-US"/>
           </a:p>
@@ -2771,7 +2776,7 @@
           <a:p>
             <a:fld id="{B4B45118-7A4E-49BA-9EAD-210F59C23FC3}" type="datetimeFigureOut">
               <a:rPr lang="en-US" smtClean="0"/>
-              <a:t>4/3/2025</a:t>
+              <a:t>4/6/2025</a:t>
             </a:fld>
             <a:endParaRPr lang="en-US"/>
           </a:p>
@@ -3012,7 +3017,7 @@
           <a:p>
             <a:fld id="{B4B45118-7A4E-49BA-9EAD-210F59C23FC3}" type="datetimeFigureOut">
               <a:rPr lang="en-US" smtClean="0"/>
-              <a:t>4/3/2025</a:t>
+              <a:t>4/6/2025</a:t>
             </a:fld>
             <a:endParaRPr lang="en-US"/>
           </a:p>
@@ -3660,10 +3665,10 @@
       </p:sp>
       <p:pic>
         <p:nvPicPr>
-          <p:cNvPr id="5" name="Picture 4">
-            <a:extLst>
-              <a:ext uri="{FF2B5EF4-FFF2-40B4-BE49-F238E27FC236}">
-                <a16:creationId xmlns:a16="http://schemas.microsoft.com/office/drawing/2014/main" id="{A9BC5894-CE29-FA5B-2DB6-F27174DD3D98}"/>
+          <p:cNvPr id="6" name="Picture 5">
+            <a:extLst>
+              <a:ext uri="{FF2B5EF4-FFF2-40B4-BE49-F238E27FC236}">
+                <a16:creationId xmlns:a16="http://schemas.microsoft.com/office/drawing/2014/main" id="{37112F3C-88B8-7DD6-01AC-3F42BF45C29F}"/>
               </a:ext>
             </a:extLst>
           </p:cNvPr>
@@ -3680,8 +3685,8 @@
         </p:blipFill>
         <p:spPr>
           <a:xfrm>
-            <a:off x="3325" y="0"/>
-            <a:ext cx="12185349" cy="6858000"/>
+            <a:off x="0" y="20024"/>
+            <a:ext cx="12192000" cy="6817951"/>
           </a:xfrm>
           <a:prstGeom prst="rect">
             <a:avLst/>
@@ -3770,10 +3775,10 @@
       </p:sp>
       <p:pic>
         <p:nvPicPr>
-          <p:cNvPr id="7" name="Picture 6">
-            <a:extLst>
-              <a:ext uri="{FF2B5EF4-FFF2-40B4-BE49-F238E27FC236}">
-                <a16:creationId xmlns:a16="http://schemas.microsoft.com/office/drawing/2014/main" id="{42651D9D-FCA2-62C4-1384-4F170A36E171}"/>
+          <p:cNvPr id="8" name="Picture 7">
+            <a:extLst>
+              <a:ext uri="{FF2B5EF4-FFF2-40B4-BE49-F238E27FC236}">
+                <a16:creationId xmlns:a16="http://schemas.microsoft.com/office/drawing/2014/main" id="{83B1905B-3F19-4B15-6B09-2F2027A57A93}"/>
               </a:ext>
             </a:extLst>
           </p:cNvPr>
@@ -3790,8 +3795,8 @@
         </p:blipFill>
         <p:spPr>
           <a:xfrm>
-            <a:off x="0" y="2937"/>
-            <a:ext cx="12192000" cy="6852126"/>
+            <a:off x="0" y="18142"/>
+            <a:ext cx="12192000" cy="6839857"/>
           </a:xfrm>
           <a:prstGeom prst="rect">
             <a:avLst/>
@@ -3972,10 +3977,10 @@
       </p:sp>
       <p:pic>
         <p:nvPicPr>
-          <p:cNvPr id="7" name="Picture 6">
-            <a:extLst>
-              <a:ext uri="{FF2B5EF4-FFF2-40B4-BE49-F238E27FC236}">
-                <a16:creationId xmlns:a16="http://schemas.microsoft.com/office/drawing/2014/main" id="{558B5258-0E2E-3385-76E1-4F182DFF5596}"/>
+          <p:cNvPr id="5" name="Picture 4">
+            <a:extLst>
+              <a:ext uri="{FF2B5EF4-FFF2-40B4-BE49-F238E27FC236}">
+                <a16:creationId xmlns:a16="http://schemas.microsoft.com/office/drawing/2014/main" id="{F283799C-65BA-2C00-F7B5-75CE880B26C4}"/>
               </a:ext>
             </a:extLst>
           </p:cNvPr>
@@ -3992,8 +3997,8 @@
         </p:blipFill>
         <p:spPr>
           <a:xfrm>
-            <a:off x="6508377" y="1538288"/>
-            <a:ext cx="4845424" cy="2224339"/>
+            <a:off x="6508378" y="1730206"/>
+            <a:ext cx="4733364" cy="2196336"/>
           </a:xfrm>
           <a:prstGeom prst="rect">
             <a:avLst/>
@@ -4002,10 +4007,10 @@
       </p:pic>
       <p:pic>
         <p:nvPicPr>
-          <p:cNvPr id="9" name="Picture 8">
-            <a:extLst>
-              <a:ext uri="{FF2B5EF4-FFF2-40B4-BE49-F238E27FC236}">
-                <a16:creationId xmlns:a16="http://schemas.microsoft.com/office/drawing/2014/main" id="{EC107B90-E513-0698-EAF3-27B58D4B860D}"/>
+          <p:cNvPr id="8" name="Picture 7">
+            <a:extLst>
+              <a:ext uri="{FF2B5EF4-FFF2-40B4-BE49-F238E27FC236}">
+                <a16:creationId xmlns:a16="http://schemas.microsoft.com/office/drawing/2014/main" id="{A6E23E28-E1A2-B0AB-D62E-4162D23C96C5}"/>
               </a:ext>
             </a:extLst>
           </p:cNvPr>
@@ -4022,8 +4027,8 @@
         </p:blipFill>
         <p:spPr>
           <a:xfrm>
-            <a:off x="6508377" y="3905875"/>
-            <a:ext cx="4845424" cy="2271088"/>
+            <a:off x="6508378" y="4102576"/>
+            <a:ext cx="4733364" cy="2196336"/>
           </a:xfrm>
           <a:prstGeom prst="rect">
             <a:avLst/>
@@ -4210,10 +4215,10 @@
       </p:sp>
       <p:pic>
         <p:nvPicPr>
-          <p:cNvPr id="5" name="Picture 4">
-            <a:extLst>
-              <a:ext uri="{FF2B5EF4-FFF2-40B4-BE49-F238E27FC236}">
-                <a16:creationId xmlns:a16="http://schemas.microsoft.com/office/drawing/2014/main" id="{B9D7913B-57C9-D015-0E8E-D8D97C7461B4}"/>
+          <p:cNvPr id="6" name="Picture 5">
+            <a:extLst>
+              <a:ext uri="{FF2B5EF4-FFF2-40B4-BE49-F238E27FC236}">
+                <a16:creationId xmlns:a16="http://schemas.microsoft.com/office/drawing/2014/main" id="{690E8C88-8973-B0CF-00D1-109133C46075}"/>
               </a:ext>
             </a:extLst>
           </p:cNvPr>
@@ -4230,8 +4235,8 @@
         </p:blipFill>
         <p:spPr>
           <a:xfrm>
-            <a:off x="564777" y="2124635"/>
-            <a:ext cx="5360893" cy="3344840"/>
+            <a:off x="251013" y="2510118"/>
+            <a:ext cx="5719482" cy="3065929"/>
           </a:xfrm>
           <a:prstGeom prst="rect">
             <a:avLst/>
@@ -4437,10 +4442,10 @@
       </p:sp>
       <p:pic>
         <p:nvPicPr>
-          <p:cNvPr id="5" name="Picture 4">
-            <a:extLst>
-              <a:ext uri="{FF2B5EF4-FFF2-40B4-BE49-F238E27FC236}">
-                <a16:creationId xmlns:a16="http://schemas.microsoft.com/office/drawing/2014/main" id="{8307FEFD-D0DE-4A27-47E6-6B55CEBC9123}"/>
+          <p:cNvPr id="6" name="Picture 5">
+            <a:extLst>
+              <a:ext uri="{FF2B5EF4-FFF2-40B4-BE49-F238E27FC236}">
+                <a16:creationId xmlns:a16="http://schemas.microsoft.com/office/drawing/2014/main" id="{E8729A55-9200-EE71-9C7D-12D90F5F3583}"/>
               </a:ext>
             </a:extLst>
           </p:cNvPr>
@@ -4457,8 +4462,8 @@
         </p:blipFill>
         <p:spPr>
           <a:xfrm>
-            <a:off x="6293224" y="2344848"/>
-            <a:ext cx="5060576" cy="3250194"/>
+            <a:off x="6293224" y="2528048"/>
+            <a:ext cx="5571341" cy="3110752"/>
           </a:xfrm>
           <a:prstGeom prst="rect">
             <a:avLst/>
@@ -4686,10 +4691,10 @@
       </p:sp>
       <p:pic>
         <p:nvPicPr>
-          <p:cNvPr id="7" name="Picture 6">
-            <a:extLst>
-              <a:ext uri="{FF2B5EF4-FFF2-40B4-BE49-F238E27FC236}">
-                <a16:creationId xmlns:a16="http://schemas.microsoft.com/office/drawing/2014/main" id="{3395DE0F-B501-53EC-8856-0951EB5DE13E}"/>
+          <p:cNvPr id="5" name="Picture 4">
+            <a:extLst>
+              <a:ext uri="{FF2B5EF4-FFF2-40B4-BE49-F238E27FC236}">
+                <a16:creationId xmlns:a16="http://schemas.microsoft.com/office/drawing/2014/main" id="{AD29DC26-5972-1B51-979B-7AEC83E95563}"/>
               </a:ext>
             </a:extLst>
           </p:cNvPr>
@@ -4706,8 +4711,8 @@
         </p:blipFill>
         <p:spPr>
           <a:xfrm>
-            <a:off x="6826313" y="1572139"/>
-            <a:ext cx="3874883" cy="2013033"/>
+            <a:off x="6624918" y="1783531"/>
+            <a:ext cx="4365811" cy="2169739"/>
           </a:xfrm>
           <a:prstGeom prst="rect">
             <a:avLst/>
@@ -4716,10 +4721,10 @@
       </p:pic>
       <p:pic>
         <p:nvPicPr>
-          <p:cNvPr id="9" name="Picture 8">
-            <a:extLst>
-              <a:ext uri="{FF2B5EF4-FFF2-40B4-BE49-F238E27FC236}">
-                <a16:creationId xmlns:a16="http://schemas.microsoft.com/office/drawing/2014/main" id="{08D25CBD-C4BB-D1F6-9938-D375FBF8E597}"/>
+          <p:cNvPr id="8" name="Picture 7">
+            <a:extLst>
+              <a:ext uri="{FF2B5EF4-FFF2-40B4-BE49-F238E27FC236}">
+                <a16:creationId xmlns:a16="http://schemas.microsoft.com/office/drawing/2014/main" id="{816C1A3B-8D6E-677E-DA06-C459623AB565}"/>
               </a:ext>
             </a:extLst>
           </p:cNvPr>
@@ -4736,8 +4741,8 @@
         </p:blipFill>
         <p:spPr>
           <a:xfrm>
-            <a:off x="6239434" y="3829616"/>
-            <a:ext cx="5114365" cy="2347347"/>
+            <a:off x="6215386" y="4034118"/>
+            <a:ext cx="5481691" cy="2465294"/>
           </a:xfrm>
           <a:prstGeom prst="rect">
             <a:avLst/>
@@ -4884,10 +4889,10 @@
       </p:sp>
       <p:pic>
         <p:nvPicPr>
-          <p:cNvPr id="7" name="Picture 6">
-            <a:extLst>
-              <a:ext uri="{FF2B5EF4-FFF2-40B4-BE49-F238E27FC236}">
-                <a16:creationId xmlns:a16="http://schemas.microsoft.com/office/drawing/2014/main" id="{4A405AB8-123D-AB11-F787-DEFB4236CCDA}"/>
+          <p:cNvPr id="5" name="Picture 4">
+            <a:extLst>
+              <a:ext uri="{FF2B5EF4-FFF2-40B4-BE49-F238E27FC236}">
+                <a16:creationId xmlns:a16="http://schemas.microsoft.com/office/drawing/2014/main" id="{B890CD69-D66A-70E2-03EC-3E93545EC504}"/>
               </a:ext>
             </a:extLst>
           </p:cNvPr>
@@ -4904,8 +4909,8 @@
         </p:blipFill>
         <p:spPr>
           <a:xfrm>
-            <a:off x="7106971" y="3911273"/>
-            <a:ext cx="4182700" cy="2232212"/>
+            <a:off x="7106972" y="1792941"/>
+            <a:ext cx="4182700" cy="2118332"/>
           </a:xfrm>
           <a:prstGeom prst="rect">
             <a:avLst/>
@@ -4914,10 +4919,10 @@
       </p:pic>
       <p:pic>
         <p:nvPicPr>
-          <p:cNvPr id="9" name="Picture 8">
-            <a:extLst>
-              <a:ext uri="{FF2B5EF4-FFF2-40B4-BE49-F238E27FC236}">
-                <a16:creationId xmlns:a16="http://schemas.microsoft.com/office/drawing/2014/main" id="{31C00407-E489-F3B4-566E-9044699AFEF1}"/>
+          <p:cNvPr id="10" name="Picture 9">
+            <a:extLst>
+              <a:ext uri="{FF2B5EF4-FFF2-40B4-BE49-F238E27FC236}">
+                <a16:creationId xmlns:a16="http://schemas.microsoft.com/office/drawing/2014/main" id="{4F686F22-1E2B-9F9A-8FC1-ACB8A787A144}"/>
               </a:ext>
             </a:extLst>
           </p:cNvPr>
@@ -4934,8 +4939,8 @@
         </p:blipFill>
         <p:spPr>
           <a:xfrm>
-            <a:off x="7106971" y="1684875"/>
-            <a:ext cx="4182700" cy="2036099"/>
+            <a:off x="7106972" y="4057976"/>
+            <a:ext cx="4757594" cy="2465294"/>
           </a:xfrm>
           <a:prstGeom prst="rect">
             <a:avLst/>
@@ -5102,10 +5107,10 @@
       </p:sp>
       <p:pic>
         <p:nvPicPr>
-          <p:cNvPr id="7" name="Picture 6">
-            <a:extLst>
-              <a:ext uri="{FF2B5EF4-FFF2-40B4-BE49-F238E27FC236}">
-                <a16:creationId xmlns:a16="http://schemas.microsoft.com/office/drawing/2014/main" id="{63B425FF-CE7D-A239-11E5-D2CF0CB51CE7}"/>
+          <p:cNvPr id="5" name="Picture 4">
+            <a:extLst>
+              <a:ext uri="{FF2B5EF4-FFF2-40B4-BE49-F238E27FC236}">
+                <a16:creationId xmlns:a16="http://schemas.microsoft.com/office/drawing/2014/main" id="{3277A3FA-1F79-24BE-F22B-23ACB4782301}"/>
               </a:ext>
             </a:extLst>
           </p:cNvPr>
@@ -5122,8 +5127,8 @@
         </p:blipFill>
         <p:spPr>
           <a:xfrm>
-            <a:off x="7106971" y="3911273"/>
-            <a:ext cx="4182700" cy="2232212"/>
+            <a:off x="7106971" y="1646238"/>
+            <a:ext cx="4182700" cy="2265033"/>
           </a:xfrm>
           <a:prstGeom prst="rect">
             <a:avLst/>
@@ -5132,10 +5137,10 @@
       </p:pic>
       <p:pic>
         <p:nvPicPr>
-          <p:cNvPr id="9" name="Picture 8">
-            <a:extLst>
-              <a:ext uri="{FF2B5EF4-FFF2-40B4-BE49-F238E27FC236}">
-                <a16:creationId xmlns:a16="http://schemas.microsoft.com/office/drawing/2014/main" id="{392DD7A4-8824-40D0-4A68-1058AA1D9E6A}"/>
+          <p:cNvPr id="6" name="Picture 5">
+            <a:extLst>
+              <a:ext uri="{FF2B5EF4-FFF2-40B4-BE49-F238E27FC236}">
+                <a16:creationId xmlns:a16="http://schemas.microsoft.com/office/drawing/2014/main" id="{B14A7B92-CE7A-852B-C63D-CBF60EF6C669}"/>
               </a:ext>
             </a:extLst>
           </p:cNvPr>
@@ -5152,8 +5157,8 @@
         </p:blipFill>
         <p:spPr>
           <a:xfrm>
-            <a:off x="7106971" y="1684875"/>
-            <a:ext cx="4182700" cy="2036099"/>
+            <a:off x="7106970" y="3944094"/>
+            <a:ext cx="4757595" cy="2593231"/>
           </a:xfrm>
           <a:prstGeom prst="rect">
             <a:avLst/>
@@ -5312,10 +5317,10 @@
       </p:sp>
       <p:pic>
         <p:nvPicPr>
-          <p:cNvPr id="7" name="Picture 6">
-            <a:extLst>
-              <a:ext uri="{FF2B5EF4-FFF2-40B4-BE49-F238E27FC236}">
-                <a16:creationId xmlns:a16="http://schemas.microsoft.com/office/drawing/2014/main" id="{221332AE-2FDA-87A8-0212-204D4CCD3E00}"/>
+          <p:cNvPr id="5" name="Picture 4">
+            <a:extLst>
+              <a:ext uri="{FF2B5EF4-FFF2-40B4-BE49-F238E27FC236}">
+                <a16:creationId xmlns:a16="http://schemas.microsoft.com/office/drawing/2014/main" id="{5F2EB8CD-EB80-BFF2-C960-1B4924F547DA}"/>
               </a:ext>
             </a:extLst>
           </p:cNvPr>
@@ -5332,7 +5337,7 @@
         </p:blipFill>
         <p:spPr>
           <a:xfrm>
-            <a:off x="7106971" y="3911273"/>
+            <a:off x="7106970" y="1679062"/>
             <a:ext cx="4182700" cy="2232212"/>
           </a:xfrm>
           <a:prstGeom prst="rect">
@@ -5342,10 +5347,10 @@
       </p:pic>
       <p:pic>
         <p:nvPicPr>
-          <p:cNvPr id="9" name="Picture 8">
-            <a:extLst>
-              <a:ext uri="{FF2B5EF4-FFF2-40B4-BE49-F238E27FC236}">
-                <a16:creationId xmlns:a16="http://schemas.microsoft.com/office/drawing/2014/main" id="{7CC9A49F-A2E1-D44F-AF89-7066DFBA0635}"/>
+          <p:cNvPr id="6" name="Picture 5">
+            <a:extLst>
+              <a:ext uri="{FF2B5EF4-FFF2-40B4-BE49-F238E27FC236}">
+                <a16:creationId xmlns:a16="http://schemas.microsoft.com/office/drawing/2014/main" id="{96AF2929-C880-08D9-3101-A9BC94F9CF19}"/>
               </a:ext>
             </a:extLst>
           </p:cNvPr>
@@ -5362,8 +5367,8 @@
         </p:blipFill>
         <p:spPr>
           <a:xfrm>
-            <a:off x="7106971" y="1684875"/>
-            <a:ext cx="4182700" cy="2036099"/>
+            <a:off x="7106970" y="3897404"/>
+            <a:ext cx="4757596" cy="2557183"/>
           </a:xfrm>
           <a:prstGeom prst="rect">
             <a:avLst/>
